--- a/slides/SPI.pptx
+++ b/slides/SPI.pptx
@@ -124,7 +124,7 @@
   </p:defaultTextStyle>
   <p:extLst>
     <p:ext uri="{EFAFB233-063F-42B5-8137-9DF3F51BA10A}">
-      <p15:sldGuideLst xmlns:p15="http://schemas.microsoft.com/office/powerpoint/2012/main"/>
+      <p15:sldGuideLst xmlns:p15="http://schemas.microsoft.com/office/powerpoint/2012/main" xmlns=""/>
     </p:ext>
   </p:extLst>
 </p:presentation>
@@ -1248,19 +1248,19 @@
     </dgm:pt>
   </dgm:ptLst>
   <dgm:cxnLst>
+    <dgm:cxn modelId="{6EA40395-DB12-40F7-90ED-28705806FA7B}" type="presOf" srcId="{9938BCC9-81C4-4D4F-8E48-065BCA64F526}" destId="{96D78EFB-B7B6-40AF-9BFF-F1F587A5CAD8}" srcOrd="0" destOrd="0" presId="urn:microsoft.com/office/officeart/2005/8/layout/chevron1"/>
+    <dgm:cxn modelId="{ABB3CB2D-C3A7-4F06-BC4D-256FD23DB0AC}" srcId="{3305E56C-59D7-46BF-B715-6017BC965E5C}" destId="{F6BFD2C9-1A21-4C49-86AF-BA6607F263B1}" srcOrd="1" destOrd="0" parTransId="{40F9813F-82FB-44BF-A672-BA5E15F7E136}" sibTransId="{21F19779-3663-4C13-9070-AFAA0265258D}"/>
+    <dgm:cxn modelId="{BDA96D8A-B78B-42B6-A64C-713EC17026E9}" type="presOf" srcId="{F6BFD2C9-1A21-4C49-86AF-BA6607F263B1}" destId="{080EAD9A-74ED-4ECB-AE9A-E35190D09A32}" srcOrd="0" destOrd="0" presId="urn:microsoft.com/office/officeart/2005/8/layout/chevron1"/>
+    <dgm:cxn modelId="{64B26BBE-CA8D-47AA-BC5E-DDCC7F06928A}" type="presOf" srcId="{BAC58E16-21F3-4D39-BA49-0D100DD23E51}" destId="{62249F86-7CB7-49EB-AAC3-896B25479380}" srcOrd="0" destOrd="0" presId="urn:microsoft.com/office/officeart/2005/8/layout/chevron1"/>
     <dgm:cxn modelId="{97FA8F83-8868-4F37-BD35-DA0AE654C88E}" srcId="{3305E56C-59D7-46BF-B715-6017BC965E5C}" destId="{AB413FA0-8C56-4CBB-BE96-F69D67A4D46D}" srcOrd="4" destOrd="0" parTransId="{FDFED7AC-EC82-4D8D-9C59-843B354A0AF4}" sibTransId="{4B9248B3-1E72-46B4-A2DF-A2DD36E6957B}"/>
+    <dgm:cxn modelId="{67F730DF-DCA0-400E-BD88-4FC33A39ED4C}" type="presOf" srcId="{AB413FA0-8C56-4CBB-BE96-F69D67A4D46D}" destId="{654185E3-F551-44D0-BFA3-630B0F70DEE0}" srcOrd="0" destOrd="0" presId="urn:microsoft.com/office/officeart/2005/8/layout/chevron1"/>
+    <dgm:cxn modelId="{07E41B98-9D9E-4FD0-86AD-926E3E87ABAB}" type="presOf" srcId="{AE2BC6C5-3ED9-49AB-A89C-08BF1724ACC3}" destId="{A15B0CFE-61C5-4F7E-8C80-B3DFCCD62918}" srcOrd="0" destOrd="0" presId="urn:microsoft.com/office/officeart/2005/8/layout/chevron1"/>
+    <dgm:cxn modelId="{5F419A0C-F0E6-4D58-8121-938DE096CFC0}" type="presOf" srcId="{F4D3C089-0FA9-4F8B-A97D-DADD7E8FFD11}" destId="{5452B3EE-E428-4297-980A-FEC1E1B0951F}" srcOrd="0" destOrd="0" presId="urn:microsoft.com/office/officeart/2005/8/layout/chevron1"/>
+    <dgm:cxn modelId="{D45CF38B-37BB-4395-90C7-F83B52C190F0}" srcId="{3305E56C-59D7-46BF-B715-6017BC965E5C}" destId="{F4D3C089-0FA9-4F8B-A97D-DADD7E8FFD11}" srcOrd="0" destOrd="0" parTransId="{02B5F6B1-70D8-47A7-AA08-2A49CB3031A5}" sibTransId="{7B6D8282-96DE-4168-A46E-816B84478742}"/>
     <dgm:cxn modelId="{D1142278-23DD-469C-9B3B-9A90B1332EF2}" type="presOf" srcId="{3305E56C-59D7-46BF-B715-6017BC965E5C}" destId="{46FDF3AF-485A-47FE-B80A-74D0FA01653D}" srcOrd="0" destOrd="0" presId="urn:microsoft.com/office/officeart/2005/8/layout/chevron1"/>
     <dgm:cxn modelId="{03CA9A05-EED9-4EE0-A411-D25D47A3A218}" srcId="{3305E56C-59D7-46BF-B715-6017BC965E5C}" destId="{BAC58E16-21F3-4D39-BA49-0D100DD23E51}" srcOrd="5" destOrd="0" parTransId="{50790D26-A8D1-48FC-8421-5D31BDCA2CB4}" sibTransId="{CFD14538-C379-44F8-B7D3-A8D46CDC8378}"/>
-    <dgm:cxn modelId="{07E41B98-9D9E-4FD0-86AD-926E3E87ABAB}" type="presOf" srcId="{AE2BC6C5-3ED9-49AB-A89C-08BF1724ACC3}" destId="{A15B0CFE-61C5-4F7E-8C80-B3DFCCD62918}" srcOrd="0" destOrd="0" presId="urn:microsoft.com/office/officeart/2005/8/layout/chevron1"/>
-    <dgm:cxn modelId="{5F419A0C-F0E6-4D58-8121-938DE096CFC0}" type="presOf" srcId="{F4D3C089-0FA9-4F8B-A97D-DADD7E8FFD11}" destId="{5452B3EE-E428-4297-980A-FEC1E1B0951F}" srcOrd="0" destOrd="0" presId="urn:microsoft.com/office/officeart/2005/8/layout/chevron1"/>
-    <dgm:cxn modelId="{BDA96D8A-B78B-42B6-A64C-713EC17026E9}" type="presOf" srcId="{F6BFD2C9-1A21-4C49-86AF-BA6607F263B1}" destId="{080EAD9A-74ED-4ECB-AE9A-E35190D09A32}" srcOrd="0" destOrd="0" presId="urn:microsoft.com/office/officeart/2005/8/layout/chevron1"/>
-    <dgm:cxn modelId="{67F730DF-DCA0-400E-BD88-4FC33A39ED4C}" type="presOf" srcId="{AB413FA0-8C56-4CBB-BE96-F69D67A4D46D}" destId="{654185E3-F551-44D0-BFA3-630B0F70DEE0}" srcOrd="0" destOrd="0" presId="urn:microsoft.com/office/officeart/2005/8/layout/chevron1"/>
-    <dgm:cxn modelId="{ABB3CB2D-C3A7-4F06-BC4D-256FD23DB0AC}" srcId="{3305E56C-59D7-46BF-B715-6017BC965E5C}" destId="{F6BFD2C9-1A21-4C49-86AF-BA6607F263B1}" srcOrd="1" destOrd="0" parTransId="{40F9813F-82FB-44BF-A672-BA5E15F7E136}" sibTransId="{21F19779-3663-4C13-9070-AFAA0265258D}"/>
-    <dgm:cxn modelId="{6EA40395-DB12-40F7-90ED-28705806FA7B}" type="presOf" srcId="{9938BCC9-81C4-4D4F-8E48-065BCA64F526}" destId="{96D78EFB-B7B6-40AF-9BFF-F1F587A5CAD8}" srcOrd="0" destOrd="0" presId="urn:microsoft.com/office/officeart/2005/8/layout/chevron1"/>
-    <dgm:cxn modelId="{D45CF38B-37BB-4395-90C7-F83B52C190F0}" srcId="{3305E56C-59D7-46BF-B715-6017BC965E5C}" destId="{F4D3C089-0FA9-4F8B-A97D-DADD7E8FFD11}" srcOrd="0" destOrd="0" parTransId="{02B5F6B1-70D8-47A7-AA08-2A49CB3031A5}" sibTransId="{7B6D8282-96DE-4168-A46E-816B84478742}"/>
+    <dgm:cxn modelId="{53F67DCD-4A12-4098-AC1D-FBD462BFBCD4}" srcId="{3305E56C-59D7-46BF-B715-6017BC965E5C}" destId="{9938BCC9-81C4-4D4F-8E48-065BCA64F526}" srcOrd="2" destOrd="0" parTransId="{5C6333E5-D200-4F0E-9295-85AD989EE3A0}" sibTransId="{642BE44B-4C42-4796-B28D-C84A143E56EE}"/>
     <dgm:cxn modelId="{4D3FD10F-568F-4372-A454-4EB48386B70D}" srcId="{3305E56C-59D7-46BF-B715-6017BC965E5C}" destId="{AE2BC6C5-3ED9-49AB-A89C-08BF1724ACC3}" srcOrd="3" destOrd="0" parTransId="{9B322CAB-1897-4154-8D5E-C53518D6167C}" sibTransId="{F898B76F-1BFB-426F-910E-FBFAA68BF689}"/>
-    <dgm:cxn modelId="{53F67DCD-4A12-4098-AC1D-FBD462BFBCD4}" srcId="{3305E56C-59D7-46BF-B715-6017BC965E5C}" destId="{9938BCC9-81C4-4D4F-8E48-065BCA64F526}" srcOrd="2" destOrd="0" parTransId="{5C6333E5-D200-4F0E-9295-85AD989EE3A0}" sibTransId="{642BE44B-4C42-4796-B28D-C84A143E56EE}"/>
-    <dgm:cxn modelId="{64B26BBE-CA8D-47AA-BC5E-DDCC7F06928A}" type="presOf" srcId="{BAC58E16-21F3-4D39-BA49-0D100DD23E51}" destId="{62249F86-7CB7-49EB-AAC3-896B25479380}" srcOrd="0" destOrd="0" presId="urn:microsoft.com/office/officeart/2005/8/layout/chevron1"/>
     <dgm:cxn modelId="{D44077B8-F4CE-4A3A-9B4A-DE68782CE47A}" type="presParOf" srcId="{46FDF3AF-485A-47FE-B80A-74D0FA01653D}" destId="{5452B3EE-E428-4297-980A-FEC1E1B0951F}" srcOrd="0" destOrd="0" presId="urn:microsoft.com/office/officeart/2005/8/layout/chevron1"/>
     <dgm:cxn modelId="{507324A9-3FA5-42D6-A87C-E6A9CCC81B25}" type="presParOf" srcId="{46FDF3AF-485A-47FE-B80A-74D0FA01653D}" destId="{608150EF-75B3-437F-A3FF-437FF5CE1A30}" srcOrd="1" destOrd="0" presId="urn:microsoft.com/office/officeart/2005/8/layout/chevron1"/>
     <dgm:cxn modelId="{BCF6334D-80C4-4835-B257-7D8A0AB684B8}" type="presParOf" srcId="{46FDF3AF-485A-47FE-B80A-74D0FA01653D}" destId="{080EAD9A-74ED-4ECB-AE9A-E35190D09A32}" srcOrd="2" destOrd="0" presId="urn:microsoft.com/office/officeart/2005/8/layout/chevron1"/>
@@ -1277,7 +1277,7 @@
   <dgm:whole/>
   <dgm:extLst>
     <a:ext uri="http://schemas.microsoft.com/office/drawing/2008/diagram">
-      <dsp:dataModelExt xmlns:dsp="http://schemas.microsoft.com/office/drawing/2008/diagram" relId="rId6" minVer="http://schemas.openxmlformats.org/drawingml/2006/diagram"/>
+      <dsp:dataModelExt xmlns:dsp="http://schemas.microsoft.com/office/drawing/2008/diagram" xmlns="" relId="rId6" minVer="http://schemas.openxmlformats.org/drawingml/2006/diagram"/>
     </a:ext>
   </dgm:extLst>
 </dgm:dataModel>
@@ -3219,7 +3219,8 @@
           <a:p>
             <a:fld id="{D3ABF41E-4BEA-4DD7-8C77-DFB968E44288}" type="datetimeFigureOut">
               <a:rPr lang="en-US" smtClean="0"/>
-              <a:t>10/18/2019</a:t>
+              <a:pPr/>
+              <a:t>4/17/2020</a:t>
             </a:fld>
             <a:endParaRPr lang="en-US"/>
           </a:p>
@@ -3261,6 +3262,7 @@
           <a:p>
             <a:fld id="{83B8F616-788A-4BE6-AB7C-0300EB3D9F00}" type="slidenum">
               <a:rPr lang="en-US" smtClean="0"/>
+              <a:pPr/>
               <a:t>‹#›</a:t>
             </a:fld>
             <a:endParaRPr lang="en-US"/>
@@ -3270,7 +3272,7 @@
     </p:spTree>
     <p:extLst>
       <p:ext uri="{BB962C8B-B14F-4D97-AF65-F5344CB8AC3E}">
-        <p14:creationId xmlns:p14="http://schemas.microsoft.com/office/powerpoint/2010/main" val="2657890500"/>
+        <p14:creationId xmlns:p14="http://schemas.microsoft.com/office/powerpoint/2010/main" xmlns="" val="2657890500"/>
       </p:ext>
     </p:extLst>
   </p:cSld>
@@ -3389,7 +3391,8 @@
           <a:p>
             <a:fld id="{D3ABF41E-4BEA-4DD7-8C77-DFB968E44288}" type="datetimeFigureOut">
               <a:rPr lang="en-US" smtClean="0"/>
-              <a:t>10/18/2019</a:t>
+              <a:pPr/>
+              <a:t>4/17/2020</a:t>
             </a:fld>
             <a:endParaRPr lang="en-US"/>
           </a:p>
@@ -3431,6 +3434,7 @@
           <a:p>
             <a:fld id="{83B8F616-788A-4BE6-AB7C-0300EB3D9F00}" type="slidenum">
               <a:rPr lang="en-US" smtClean="0"/>
+              <a:pPr/>
               <a:t>‹#›</a:t>
             </a:fld>
             <a:endParaRPr lang="en-US"/>
@@ -3440,7 +3444,7 @@
     </p:spTree>
     <p:extLst>
       <p:ext uri="{BB962C8B-B14F-4D97-AF65-F5344CB8AC3E}">
-        <p14:creationId xmlns:p14="http://schemas.microsoft.com/office/powerpoint/2010/main" val="317698068"/>
+        <p14:creationId xmlns:p14="http://schemas.microsoft.com/office/powerpoint/2010/main" xmlns="" val="317698068"/>
       </p:ext>
     </p:extLst>
   </p:cSld>
@@ -3569,7 +3573,8 @@
           <a:p>
             <a:fld id="{D3ABF41E-4BEA-4DD7-8C77-DFB968E44288}" type="datetimeFigureOut">
               <a:rPr lang="en-US" smtClean="0"/>
-              <a:t>10/18/2019</a:t>
+              <a:pPr/>
+              <a:t>4/17/2020</a:t>
             </a:fld>
             <a:endParaRPr lang="en-US"/>
           </a:p>
@@ -3611,6 +3616,7 @@
           <a:p>
             <a:fld id="{83B8F616-788A-4BE6-AB7C-0300EB3D9F00}" type="slidenum">
               <a:rPr lang="en-US" smtClean="0"/>
+              <a:pPr/>
               <a:t>‹#›</a:t>
             </a:fld>
             <a:endParaRPr lang="en-US"/>
@@ -3620,7 +3626,7 @@
     </p:spTree>
     <p:extLst>
       <p:ext uri="{BB962C8B-B14F-4D97-AF65-F5344CB8AC3E}">
-        <p14:creationId xmlns:p14="http://schemas.microsoft.com/office/powerpoint/2010/main" val="2083021173"/>
+        <p14:creationId xmlns:p14="http://schemas.microsoft.com/office/powerpoint/2010/main" xmlns="" val="2083021173"/>
       </p:ext>
     </p:extLst>
   </p:cSld>
@@ -3739,7 +3745,8 @@
           <a:p>
             <a:fld id="{D3ABF41E-4BEA-4DD7-8C77-DFB968E44288}" type="datetimeFigureOut">
               <a:rPr lang="en-US" smtClean="0"/>
-              <a:t>10/18/2019</a:t>
+              <a:pPr/>
+              <a:t>4/17/2020</a:t>
             </a:fld>
             <a:endParaRPr lang="en-US"/>
           </a:p>
@@ -3781,6 +3788,7 @@
           <a:p>
             <a:fld id="{83B8F616-788A-4BE6-AB7C-0300EB3D9F00}" type="slidenum">
               <a:rPr lang="en-US" smtClean="0"/>
+              <a:pPr/>
               <a:t>‹#›</a:t>
             </a:fld>
             <a:endParaRPr lang="en-US"/>
@@ -3790,7 +3798,7 @@
     </p:spTree>
     <p:extLst>
       <p:ext uri="{BB962C8B-B14F-4D97-AF65-F5344CB8AC3E}">
-        <p14:creationId xmlns:p14="http://schemas.microsoft.com/office/powerpoint/2010/main" val="389347744"/>
+        <p14:creationId xmlns:p14="http://schemas.microsoft.com/office/powerpoint/2010/main" xmlns="" val="389347744"/>
       </p:ext>
     </p:extLst>
   </p:cSld>
@@ -3985,7 +3993,8 @@
           <a:p>
             <a:fld id="{D3ABF41E-4BEA-4DD7-8C77-DFB968E44288}" type="datetimeFigureOut">
               <a:rPr lang="en-US" smtClean="0"/>
-              <a:t>10/18/2019</a:t>
+              <a:pPr/>
+              <a:t>4/17/2020</a:t>
             </a:fld>
             <a:endParaRPr lang="en-US"/>
           </a:p>
@@ -4027,6 +4036,7 @@
           <a:p>
             <a:fld id="{83B8F616-788A-4BE6-AB7C-0300EB3D9F00}" type="slidenum">
               <a:rPr lang="en-US" smtClean="0"/>
+              <a:pPr/>
               <a:t>‹#›</a:t>
             </a:fld>
             <a:endParaRPr lang="en-US"/>
@@ -4036,7 +4046,7 @@
     </p:spTree>
     <p:extLst>
       <p:ext uri="{BB962C8B-B14F-4D97-AF65-F5344CB8AC3E}">
-        <p14:creationId xmlns:p14="http://schemas.microsoft.com/office/powerpoint/2010/main" val="504264788"/>
+        <p14:creationId xmlns:p14="http://schemas.microsoft.com/office/powerpoint/2010/main" xmlns="" val="504264788"/>
       </p:ext>
     </p:extLst>
   </p:cSld>
@@ -4217,7 +4227,8 @@
           <a:p>
             <a:fld id="{D3ABF41E-4BEA-4DD7-8C77-DFB968E44288}" type="datetimeFigureOut">
               <a:rPr lang="en-US" smtClean="0"/>
-              <a:t>10/18/2019</a:t>
+              <a:pPr/>
+              <a:t>4/17/2020</a:t>
             </a:fld>
             <a:endParaRPr lang="en-US"/>
           </a:p>
@@ -4259,6 +4270,7 @@
           <a:p>
             <a:fld id="{83B8F616-788A-4BE6-AB7C-0300EB3D9F00}" type="slidenum">
               <a:rPr lang="en-US" smtClean="0"/>
+              <a:pPr/>
               <a:t>‹#›</a:t>
             </a:fld>
             <a:endParaRPr lang="en-US"/>
@@ -4268,7 +4280,7 @@
     </p:spTree>
     <p:extLst>
       <p:ext uri="{BB962C8B-B14F-4D97-AF65-F5344CB8AC3E}">
-        <p14:creationId xmlns:p14="http://schemas.microsoft.com/office/powerpoint/2010/main" val="2919309004"/>
+        <p14:creationId xmlns:p14="http://schemas.microsoft.com/office/powerpoint/2010/main" xmlns="" val="2919309004"/>
       </p:ext>
     </p:extLst>
   </p:cSld>
@@ -4584,7 +4596,8 @@
           <a:p>
             <a:fld id="{D3ABF41E-4BEA-4DD7-8C77-DFB968E44288}" type="datetimeFigureOut">
               <a:rPr lang="en-US" smtClean="0"/>
-              <a:t>10/18/2019</a:t>
+              <a:pPr/>
+              <a:t>4/17/2020</a:t>
             </a:fld>
             <a:endParaRPr lang="en-US"/>
           </a:p>
@@ -4626,6 +4639,7 @@
           <a:p>
             <a:fld id="{83B8F616-788A-4BE6-AB7C-0300EB3D9F00}" type="slidenum">
               <a:rPr lang="en-US" smtClean="0"/>
+              <a:pPr/>
               <a:t>‹#›</a:t>
             </a:fld>
             <a:endParaRPr lang="en-US"/>
@@ -4635,7 +4649,7 @@
     </p:spTree>
     <p:extLst>
       <p:ext uri="{BB962C8B-B14F-4D97-AF65-F5344CB8AC3E}">
-        <p14:creationId xmlns:p14="http://schemas.microsoft.com/office/powerpoint/2010/main" val="1947007520"/>
+        <p14:creationId xmlns:p14="http://schemas.microsoft.com/office/powerpoint/2010/main" xmlns="" val="1947007520"/>
       </p:ext>
     </p:extLst>
   </p:cSld>
@@ -4702,7 +4716,8 @@
           <a:p>
             <a:fld id="{D3ABF41E-4BEA-4DD7-8C77-DFB968E44288}" type="datetimeFigureOut">
               <a:rPr lang="en-US" smtClean="0"/>
-              <a:t>10/18/2019</a:t>
+              <a:pPr/>
+              <a:t>4/17/2020</a:t>
             </a:fld>
             <a:endParaRPr lang="en-US"/>
           </a:p>
@@ -4744,6 +4759,7 @@
           <a:p>
             <a:fld id="{83B8F616-788A-4BE6-AB7C-0300EB3D9F00}" type="slidenum">
               <a:rPr lang="en-US" smtClean="0"/>
+              <a:pPr/>
               <a:t>‹#›</a:t>
             </a:fld>
             <a:endParaRPr lang="en-US"/>
@@ -4753,7 +4769,7 @@
     </p:spTree>
     <p:extLst>
       <p:ext uri="{BB962C8B-B14F-4D97-AF65-F5344CB8AC3E}">
-        <p14:creationId xmlns:p14="http://schemas.microsoft.com/office/powerpoint/2010/main" val="2326310542"/>
+        <p14:creationId xmlns:p14="http://schemas.microsoft.com/office/powerpoint/2010/main" xmlns="" val="2326310542"/>
       </p:ext>
     </p:extLst>
   </p:cSld>
@@ -4797,7 +4813,8 @@
           <a:p>
             <a:fld id="{D3ABF41E-4BEA-4DD7-8C77-DFB968E44288}" type="datetimeFigureOut">
               <a:rPr lang="en-US" smtClean="0"/>
-              <a:t>10/18/2019</a:t>
+              <a:pPr/>
+              <a:t>4/17/2020</a:t>
             </a:fld>
             <a:endParaRPr lang="en-US"/>
           </a:p>
@@ -4839,6 +4856,7 @@
           <a:p>
             <a:fld id="{83B8F616-788A-4BE6-AB7C-0300EB3D9F00}" type="slidenum">
               <a:rPr lang="en-US" smtClean="0"/>
+              <a:pPr/>
               <a:t>‹#›</a:t>
             </a:fld>
             <a:endParaRPr lang="en-US"/>
@@ -4848,7 +4866,7 @@
     </p:spTree>
     <p:extLst>
       <p:ext uri="{BB962C8B-B14F-4D97-AF65-F5344CB8AC3E}">
-        <p14:creationId xmlns:p14="http://schemas.microsoft.com/office/powerpoint/2010/main" val="3633920117"/>
+        <p14:creationId xmlns:p14="http://schemas.microsoft.com/office/powerpoint/2010/main" xmlns="" val="3633920117"/>
       </p:ext>
     </p:extLst>
   </p:cSld>
@@ -5074,7 +5092,8 @@
           <a:p>
             <a:fld id="{D3ABF41E-4BEA-4DD7-8C77-DFB968E44288}" type="datetimeFigureOut">
               <a:rPr lang="en-US" smtClean="0"/>
-              <a:t>10/18/2019</a:t>
+              <a:pPr/>
+              <a:t>4/17/2020</a:t>
             </a:fld>
             <a:endParaRPr lang="en-US"/>
           </a:p>
@@ -5116,6 +5135,7 @@
           <a:p>
             <a:fld id="{83B8F616-788A-4BE6-AB7C-0300EB3D9F00}" type="slidenum">
               <a:rPr lang="en-US" smtClean="0"/>
+              <a:pPr/>
               <a:t>‹#›</a:t>
             </a:fld>
             <a:endParaRPr lang="en-US"/>
@@ -5125,7 +5145,7 @@
     </p:spTree>
     <p:extLst>
       <p:ext uri="{BB962C8B-B14F-4D97-AF65-F5344CB8AC3E}">
-        <p14:creationId xmlns:p14="http://schemas.microsoft.com/office/powerpoint/2010/main" val="3381348591"/>
+        <p14:creationId xmlns:p14="http://schemas.microsoft.com/office/powerpoint/2010/main" xmlns="" val="3381348591"/>
       </p:ext>
     </p:extLst>
   </p:cSld>
@@ -5327,7 +5347,8 @@
           <a:p>
             <a:fld id="{D3ABF41E-4BEA-4DD7-8C77-DFB968E44288}" type="datetimeFigureOut">
               <a:rPr lang="en-US" smtClean="0"/>
-              <a:t>10/18/2019</a:t>
+              <a:pPr/>
+              <a:t>4/17/2020</a:t>
             </a:fld>
             <a:endParaRPr lang="en-US"/>
           </a:p>
@@ -5369,6 +5390,7 @@
           <a:p>
             <a:fld id="{83B8F616-788A-4BE6-AB7C-0300EB3D9F00}" type="slidenum">
               <a:rPr lang="en-US" smtClean="0"/>
+              <a:pPr/>
               <a:t>‹#›</a:t>
             </a:fld>
             <a:endParaRPr lang="en-US"/>
@@ -5378,7 +5400,7 @@
     </p:spTree>
     <p:extLst>
       <p:ext uri="{BB962C8B-B14F-4D97-AF65-F5344CB8AC3E}">
-        <p14:creationId xmlns:p14="http://schemas.microsoft.com/office/powerpoint/2010/main" val="2758686079"/>
+        <p14:creationId xmlns:p14="http://schemas.microsoft.com/office/powerpoint/2010/main" xmlns="" val="2758686079"/>
       </p:ext>
     </p:extLst>
   </p:cSld>
@@ -5540,7 +5562,8 @@
           <a:p>
             <a:fld id="{D3ABF41E-4BEA-4DD7-8C77-DFB968E44288}" type="datetimeFigureOut">
               <a:rPr lang="en-US" smtClean="0"/>
-              <a:t>10/18/2019</a:t>
+              <a:pPr/>
+              <a:t>4/17/2020</a:t>
             </a:fld>
             <a:endParaRPr lang="en-US"/>
           </a:p>
@@ -5618,6 +5641,7 @@
           <a:p>
             <a:fld id="{83B8F616-788A-4BE6-AB7C-0300EB3D9F00}" type="slidenum">
               <a:rPr lang="en-US" smtClean="0"/>
+              <a:pPr/>
               <a:t>‹#›</a:t>
             </a:fld>
             <a:endParaRPr lang="en-US"/>
@@ -5627,7 +5651,7 @@
     </p:spTree>
     <p:extLst>
       <p:ext uri="{BB962C8B-B14F-4D97-AF65-F5344CB8AC3E}">
-        <p14:creationId xmlns:p14="http://schemas.microsoft.com/office/powerpoint/2010/main" val="995988705"/>
+        <p14:creationId xmlns:p14="http://schemas.microsoft.com/office/powerpoint/2010/main" xmlns="" val="995988705"/>
       </p:ext>
     </p:extLst>
   </p:cSld>
@@ -5991,10 +6015,40 @@
           </a:p>
         </p:txBody>
       </p:sp>
+      <p:pic>
+        <p:nvPicPr>
+          <p:cNvPr id="4" name="Picture 3"/>
+          <p:cNvPicPr>
+            <a:picLocks noChangeAspect="1"/>
+          </p:cNvPicPr>
+          <p:nvPr/>
+        </p:nvPicPr>
+        <p:blipFill>
+          <a:blip r:embed="rId2" cstate="print">
+            <a:extLst>
+              <a:ext uri="{28A0092B-C50C-407E-A947-70E740481C1C}">
+                <a14:useLocalDpi xmlns:a14="http://schemas.microsoft.com/office/drawing/2010/main" xmlns="" xmlns:lc="http://schemas.openxmlformats.org/drawingml/2006/lockedCanvas" val="0"/>
+              </a:ext>
+            </a:extLst>
+          </a:blip>
+          <a:stretch>
+            <a:fillRect/>
+          </a:stretch>
+        </p:blipFill>
+        <p:spPr>
+          <a:xfrm>
+            <a:off x="0" y="0"/>
+            <a:ext cx="1062463" cy="751114"/>
+          </a:xfrm>
+          <a:prstGeom prst="rect">
+            <a:avLst/>
+          </a:prstGeom>
+        </p:spPr>
+      </p:pic>
     </p:spTree>
     <p:extLst>
       <p:ext uri="{BB962C8B-B14F-4D97-AF65-F5344CB8AC3E}">
-        <p14:creationId xmlns:p14="http://schemas.microsoft.com/office/powerpoint/2010/main" val="3144806200"/>
+        <p14:creationId xmlns:p14="http://schemas.microsoft.com/office/powerpoint/2010/main" xmlns="" val="3144806200"/>
       </p:ext>
     </p:extLst>
   </p:cSld>
@@ -6472,7 +6526,6 @@
               <a:rPr lang="en-US" dirty="0"/>
               <a:t>MASTER</a:t>
             </a:r>
-            <a:endParaRPr lang="en-US" dirty="0"/>
           </a:p>
         </p:txBody>
       </p:sp>
@@ -6502,7 +6555,6 @@
               <a:rPr lang="en-US" dirty="0"/>
               <a:t>SLAVE</a:t>
             </a:r>
-            <a:endParaRPr lang="en-US" dirty="0"/>
           </a:p>
         </p:txBody>
       </p:sp>
@@ -6532,7 +6584,6 @@
               <a:rPr lang="en-US" dirty="0"/>
               <a:t>MOSI</a:t>
             </a:r>
-            <a:endParaRPr lang="en-US" dirty="0"/>
           </a:p>
         </p:txBody>
       </p:sp>
@@ -6562,7 +6613,6 @@
               <a:rPr lang="en-US" dirty="0"/>
               <a:t>MISO</a:t>
             </a:r>
-            <a:endParaRPr lang="en-US" dirty="0"/>
           </a:p>
         </p:txBody>
       </p:sp>
@@ -6638,10 +6688,40 @@
           </a:fontRef>
         </p:style>
       </p:cxnSp>
+      <p:pic>
+        <p:nvPicPr>
+          <p:cNvPr id="14" name="Picture 13"/>
+          <p:cNvPicPr>
+            <a:picLocks noChangeAspect="1"/>
+          </p:cNvPicPr>
+          <p:nvPr/>
+        </p:nvPicPr>
+        <p:blipFill>
+          <a:blip r:embed="rId2" cstate="print">
+            <a:extLst>
+              <a:ext uri="{28A0092B-C50C-407E-A947-70E740481C1C}">
+                <a14:useLocalDpi xmlns:a14="http://schemas.microsoft.com/office/drawing/2010/main" xmlns="" xmlns:lc="http://schemas.openxmlformats.org/drawingml/2006/lockedCanvas" val="0"/>
+              </a:ext>
+            </a:extLst>
+          </a:blip>
+          <a:stretch>
+            <a:fillRect/>
+          </a:stretch>
+        </p:blipFill>
+        <p:spPr>
+          <a:xfrm>
+            <a:off x="0" y="0"/>
+            <a:ext cx="1062463" cy="751114"/>
+          </a:xfrm>
+          <a:prstGeom prst="rect">
+            <a:avLst/>
+          </a:prstGeom>
+        </p:spPr>
+      </p:pic>
     </p:spTree>
     <p:extLst>
       <p:ext uri="{BB962C8B-B14F-4D97-AF65-F5344CB8AC3E}">
-        <p14:creationId xmlns:p14="http://schemas.microsoft.com/office/powerpoint/2010/main" val="617834991"/>
+        <p14:creationId xmlns:p14="http://schemas.microsoft.com/office/powerpoint/2010/main" xmlns="" val="617834991"/>
       </p:ext>
     </p:extLst>
   </p:cSld>
@@ -7130,7 +7210,6 @@
               <a:rPr lang="en-US" dirty="0"/>
               <a:t>MASTER</a:t>
             </a:r>
-            <a:endParaRPr lang="en-US" dirty="0"/>
           </a:p>
         </p:txBody>
       </p:sp>
@@ -7160,7 +7239,6 @@
               <a:rPr lang="en-US" dirty="0"/>
               <a:t>SLAVE</a:t>
             </a:r>
-            <a:endParaRPr lang="en-US" dirty="0"/>
           </a:p>
         </p:txBody>
       </p:sp>
@@ -7190,7 +7268,6 @@
               <a:rPr lang="en-US" dirty="0"/>
               <a:t>MOSI</a:t>
             </a:r>
-            <a:endParaRPr lang="en-US" dirty="0"/>
           </a:p>
         </p:txBody>
       </p:sp>
@@ -7220,7 +7297,6 @@
               <a:rPr lang="en-US" dirty="0"/>
               <a:t>MISO</a:t>
             </a:r>
-            <a:endParaRPr lang="en-US" dirty="0"/>
           </a:p>
         </p:txBody>
       </p:sp>
@@ -7296,10 +7372,40 @@
           </a:fontRef>
         </p:style>
       </p:cxnSp>
+      <p:pic>
+        <p:nvPicPr>
+          <p:cNvPr id="14" name="Picture 13"/>
+          <p:cNvPicPr>
+            <a:picLocks noChangeAspect="1"/>
+          </p:cNvPicPr>
+          <p:nvPr/>
+        </p:nvPicPr>
+        <p:blipFill>
+          <a:blip r:embed="rId2" cstate="print">
+            <a:extLst>
+              <a:ext uri="{28A0092B-C50C-407E-A947-70E740481C1C}">
+                <a14:useLocalDpi xmlns:a14="http://schemas.microsoft.com/office/drawing/2010/main" xmlns="" xmlns:lc="http://schemas.openxmlformats.org/drawingml/2006/lockedCanvas" val="0"/>
+              </a:ext>
+            </a:extLst>
+          </a:blip>
+          <a:stretch>
+            <a:fillRect/>
+          </a:stretch>
+        </p:blipFill>
+        <p:spPr>
+          <a:xfrm>
+            <a:off x="0" y="0"/>
+            <a:ext cx="1062463" cy="751114"/>
+          </a:xfrm>
+          <a:prstGeom prst="rect">
+            <a:avLst/>
+          </a:prstGeom>
+        </p:spPr>
+      </p:pic>
     </p:spTree>
     <p:extLst>
       <p:ext uri="{BB962C8B-B14F-4D97-AF65-F5344CB8AC3E}">
-        <p14:creationId xmlns:p14="http://schemas.microsoft.com/office/powerpoint/2010/main" val="1639949074"/>
+        <p14:creationId xmlns:p14="http://schemas.microsoft.com/office/powerpoint/2010/main" xmlns="" val="1639949074"/>
       </p:ext>
     </p:extLst>
   </p:cSld>
@@ -7391,7 +7497,7 @@
           <a:blip r:embed="rId2">
             <a:extLst>
               <a:ext uri="{28A0092B-C50C-407E-A947-70E740481C1C}">
-                <a14:useLocalDpi xmlns:a14="http://schemas.microsoft.com/office/drawing/2010/main" val="0"/>
+                <a14:useLocalDpi xmlns:a14="http://schemas.microsoft.com/office/drawing/2010/main" xmlns="" val="0"/>
               </a:ext>
             </a:extLst>
           </a:blip>
@@ -7411,7 +7517,7 @@
           <a:noFill/>
           <a:extLst>
             <a:ext uri="{909E8E84-426E-40DD-AFC4-6F175D3DCCD1}">
-              <a14:hiddenFill xmlns:a14="http://schemas.microsoft.com/office/drawing/2010/main">
+              <a14:hiddenFill xmlns:a14="http://schemas.microsoft.com/office/drawing/2010/main" xmlns="">
                 <a:solidFill>
                   <a:srgbClr val="FFFFFF"/>
                 </a:solidFill>
@@ -7420,10 +7526,40 @@
           </a:extLst>
         </p:spPr>
       </p:pic>
+      <p:pic>
+        <p:nvPicPr>
+          <p:cNvPr id="5" name="Picture 4"/>
+          <p:cNvPicPr>
+            <a:picLocks noChangeAspect="1"/>
+          </p:cNvPicPr>
+          <p:nvPr/>
+        </p:nvPicPr>
+        <p:blipFill>
+          <a:blip r:embed="rId3" cstate="print">
+            <a:extLst>
+              <a:ext uri="{28A0092B-C50C-407E-A947-70E740481C1C}">
+                <a14:useLocalDpi xmlns:a14="http://schemas.microsoft.com/office/drawing/2010/main" xmlns="" xmlns:lc="http://schemas.openxmlformats.org/drawingml/2006/lockedCanvas" val="0"/>
+              </a:ext>
+            </a:extLst>
+          </a:blip>
+          <a:stretch>
+            <a:fillRect/>
+          </a:stretch>
+        </p:blipFill>
+        <p:spPr>
+          <a:xfrm>
+            <a:off x="0" y="0"/>
+            <a:ext cx="1062463" cy="751114"/>
+          </a:xfrm>
+          <a:prstGeom prst="rect">
+            <a:avLst/>
+          </a:prstGeom>
+        </p:spPr>
+      </p:pic>
     </p:spTree>
     <p:extLst>
       <p:ext uri="{BB962C8B-B14F-4D97-AF65-F5344CB8AC3E}">
-        <p14:creationId xmlns:p14="http://schemas.microsoft.com/office/powerpoint/2010/main" val="3392602260"/>
+        <p14:creationId xmlns:p14="http://schemas.microsoft.com/office/powerpoint/2010/main" xmlns="" val="3392602260"/>
       </p:ext>
     </p:extLst>
   </p:cSld>
@@ -7544,10 +7680,40 @@
           </a:p>
         </p:txBody>
       </p:sp>
+      <p:pic>
+        <p:nvPicPr>
+          <p:cNvPr id="4" name="Picture 3"/>
+          <p:cNvPicPr>
+            <a:picLocks noChangeAspect="1"/>
+          </p:cNvPicPr>
+          <p:nvPr/>
+        </p:nvPicPr>
+        <p:blipFill>
+          <a:blip r:embed="rId2" cstate="print">
+            <a:extLst>
+              <a:ext uri="{28A0092B-C50C-407E-A947-70E740481C1C}">
+                <a14:useLocalDpi xmlns:a14="http://schemas.microsoft.com/office/drawing/2010/main" xmlns="" xmlns:lc="http://schemas.openxmlformats.org/drawingml/2006/lockedCanvas" val="0"/>
+              </a:ext>
+            </a:extLst>
+          </a:blip>
+          <a:stretch>
+            <a:fillRect/>
+          </a:stretch>
+        </p:blipFill>
+        <p:spPr>
+          <a:xfrm>
+            <a:off x="0" y="0"/>
+            <a:ext cx="1062463" cy="751114"/>
+          </a:xfrm>
+          <a:prstGeom prst="rect">
+            <a:avLst/>
+          </a:prstGeom>
+        </p:spPr>
+      </p:pic>
     </p:spTree>
     <p:extLst>
       <p:ext uri="{BB962C8B-B14F-4D97-AF65-F5344CB8AC3E}">
-        <p14:creationId xmlns:p14="http://schemas.microsoft.com/office/powerpoint/2010/main" val="2817456788"/>
+        <p14:creationId xmlns:p14="http://schemas.microsoft.com/office/powerpoint/2010/main" xmlns="" val="2817456788"/>
       </p:ext>
     </p:extLst>
   </p:cSld>
@@ -7644,7 +7810,7 @@
           <a:blip r:embed="rId2">
             <a:extLst>
               <a:ext uri="{28A0092B-C50C-407E-A947-70E740481C1C}">
-                <a14:useLocalDpi xmlns:a14="http://schemas.microsoft.com/office/drawing/2010/main" val="0"/>
+                <a14:useLocalDpi xmlns:a14="http://schemas.microsoft.com/office/drawing/2010/main" xmlns="" val="0"/>
               </a:ext>
             </a:extLst>
           </a:blip>
@@ -7664,7 +7830,7 @@
           <a:noFill/>
           <a:extLst>
             <a:ext uri="{909E8E84-426E-40DD-AFC4-6F175D3DCCD1}">
-              <a14:hiddenFill xmlns:a14="http://schemas.microsoft.com/office/drawing/2010/main">
+              <a14:hiddenFill xmlns:a14="http://schemas.microsoft.com/office/drawing/2010/main" xmlns="">
                 <a:solidFill>
                   <a:srgbClr val="FFFFFF"/>
                 </a:solidFill>
@@ -7673,10 +7839,40 @@
           </a:extLst>
         </p:spPr>
       </p:pic>
+      <p:pic>
+        <p:nvPicPr>
+          <p:cNvPr id="5" name="Picture 4"/>
+          <p:cNvPicPr>
+            <a:picLocks noChangeAspect="1"/>
+          </p:cNvPicPr>
+          <p:nvPr/>
+        </p:nvPicPr>
+        <p:blipFill>
+          <a:blip r:embed="rId3" cstate="print">
+            <a:extLst>
+              <a:ext uri="{28A0092B-C50C-407E-A947-70E740481C1C}">
+                <a14:useLocalDpi xmlns:a14="http://schemas.microsoft.com/office/drawing/2010/main" xmlns="" xmlns:lc="http://schemas.openxmlformats.org/drawingml/2006/lockedCanvas" val="0"/>
+              </a:ext>
+            </a:extLst>
+          </a:blip>
+          <a:stretch>
+            <a:fillRect/>
+          </a:stretch>
+        </p:blipFill>
+        <p:spPr>
+          <a:xfrm>
+            <a:off x="0" y="0"/>
+            <a:ext cx="1062463" cy="751114"/>
+          </a:xfrm>
+          <a:prstGeom prst="rect">
+            <a:avLst/>
+          </a:prstGeom>
+        </p:spPr>
+      </p:pic>
     </p:spTree>
     <p:extLst>
       <p:ext uri="{BB962C8B-B14F-4D97-AF65-F5344CB8AC3E}">
-        <p14:creationId xmlns:p14="http://schemas.microsoft.com/office/powerpoint/2010/main" val="463051992"/>
+        <p14:creationId xmlns:p14="http://schemas.microsoft.com/office/powerpoint/2010/main" xmlns="" val="463051992"/>
       </p:ext>
     </p:extLst>
   </p:cSld>
@@ -7780,7 +7976,7 @@
           <a:blip r:embed="rId2">
             <a:extLst>
               <a:ext uri="{28A0092B-C50C-407E-A947-70E740481C1C}">
-                <a14:useLocalDpi xmlns:a14="http://schemas.microsoft.com/office/drawing/2010/main" val="0"/>
+                <a14:useLocalDpi xmlns:a14="http://schemas.microsoft.com/office/drawing/2010/main" xmlns="" val="0"/>
               </a:ext>
             </a:extLst>
           </a:blip>
@@ -7800,7 +7996,7 @@
           <a:noFill/>
           <a:extLst>
             <a:ext uri="{909E8E84-426E-40DD-AFC4-6F175D3DCCD1}">
-              <a14:hiddenFill xmlns:a14="http://schemas.microsoft.com/office/drawing/2010/main">
+              <a14:hiddenFill xmlns:a14="http://schemas.microsoft.com/office/drawing/2010/main" xmlns="">
                 <a:solidFill>
                   <a:srgbClr val="FFFFFF"/>
                 </a:solidFill>
@@ -7821,7 +8017,7 @@
           <a:blip r:embed="rId3">
             <a:extLst>
               <a:ext uri="{28A0092B-C50C-407E-A947-70E740481C1C}">
-                <a14:useLocalDpi xmlns:a14="http://schemas.microsoft.com/office/drawing/2010/main" val="0"/>
+                <a14:useLocalDpi xmlns:a14="http://schemas.microsoft.com/office/drawing/2010/main" xmlns="" val="0"/>
               </a:ext>
             </a:extLst>
           </a:blip>
@@ -7841,7 +8037,7 @@
           <a:noFill/>
           <a:extLst>
             <a:ext uri="{909E8E84-426E-40DD-AFC4-6F175D3DCCD1}">
-              <a14:hiddenFill xmlns:a14="http://schemas.microsoft.com/office/drawing/2010/main">
+              <a14:hiddenFill xmlns:a14="http://schemas.microsoft.com/office/drawing/2010/main" xmlns="">
                 <a:solidFill>
                   <a:srgbClr val="FFFFFF"/>
                 </a:solidFill>
@@ -7850,10 +8046,40 @@
           </a:extLst>
         </p:spPr>
       </p:pic>
+      <p:pic>
+        <p:nvPicPr>
+          <p:cNvPr id="6" name="Picture 5"/>
+          <p:cNvPicPr>
+            <a:picLocks noChangeAspect="1"/>
+          </p:cNvPicPr>
+          <p:nvPr/>
+        </p:nvPicPr>
+        <p:blipFill>
+          <a:blip r:embed="rId4" cstate="print">
+            <a:extLst>
+              <a:ext uri="{28A0092B-C50C-407E-A947-70E740481C1C}">
+                <a14:useLocalDpi xmlns:a14="http://schemas.microsoft.com/office/drawing/2010/main" xmlns="" xmlns:lc="http://schemas.openxmlformats.org/drawingml/2006/lockedCanvas" val="0"/>
+              </a:ext>
+            </a:extLst>
+          </a:blip>
+          <a:stretch>
+            <a:fillRect/>
+          </a:stretch>
+        </p:blipFill>
+        <p:spPr>
+          <a:xfrm>
+            <a:off x="0" y="0"/>
+            <a:ext cx="1062463" cy="751114"/>
+          </a:xfrm>
+          <a:prstGeom prst="rect">
+            <a:avLst/>
+          </a:prstGeom>
+        </p:spPr>
+      </p:pic>
     </p:spTree>
     <p:extLst>
       <p:ext uri="{BB962C8B-B14F-4D97-AF65-F5344CB8AC3E}">
-        <p14:creationId xmlns:p14="http://schemas.microsoft.com/office/powerpoint/2010/main" val="291672232"/>
+        <p14:creationId xmlns:p14="http://schemas.microsoft.com/office/powerpoint/2010/main" xmlns="" val="291672232"/>
       </p:ext>
     </p:extLst>
   </p:cSld>
@@ -7917,7 +8143,7 @@
           <a:blip r:embed="rId2">
             <a:extLst>
               <a:ext uri="{28A0092B-C50C-407E-A947-70E740481C1C}">
-                <a14:useLocalDpi xmlns:a14="http://schemas.microsoft.com/office/drawing/2010/main" val="0"/>
+                <a14:useLocalDpi xmlns:a14="http://schemas.microsoft.com/office/drawing/2010/main" xmlns="" val="0"/>
               </a:ext>
             </a:extLst>
           </a:blip>
@@ -7937,7 +8163,7 @@
           <a:noFill/>
           <a:extLst>
             <a:ext uri="{909E8E84-426E-40DD-AFC4-6F175D3DCCD1}">
-              <a14:hiddenFill xmlns:a14="http://schemas.microsoft.com/office/drawing/2010/main">
+              <a14:hiddenFill xmlns:a14="http://schemas.microsoft.com/office/drawing/2010/main" xmlns="">
                 <a:solidFill>
                   <a:srgbClr val="FFFFFF"/>
                 </a:solidFill>
@@ -7946,10 +8172,40 @@
           </a:extLst>
         </p:spPr>
       </p:pic>
+      <p:pic>
+        <p:nvPicPr>
+          <p:cNvPr id="4" name="Picture 3"/>
+          <p:cNvPicPr>
+            <a:picLocks noChangeAspect="1"/>
+          </p:cNvPicPr>
+          <p:nvPr/>
+        </p:nvPicPr>
+        <p:blipFill>
+          <a:blip r:embed="rId3" cstate="print">
+            <a:extLst>
+              <a:ext uri="{28A0092B-C50C-407E-A947-70E740481C1C}">
+                <a14:useLocalDpi xmlns:a14="http://schemas.microsoft.com/office/drawing/2010/main" xmlns="" xmlns:lc="http://schemas.openxmlformats.org/drawingml/2006/lockedCanvas" val="0"/>
+              </a:ext>
+            </a:extLst>
+          </a:blip>
+          <a:stretch>
+            <a:fillRect/>
+          </a:stretch>
+        </p:blipFill>
+        <p:spPr>
+          <a:xfrm>
+            <a:off x="0" y="0"/>
+            <a:ext cx="1062463" cy="751114"/>
+          </a:xfrm>
+          <a:prstGeom prst="rect">
+            <a:avLst/>
+          </a:prstGeom>
+        </p:spPr>
+      </p:pic>
     </p:spTree>
     <p:extLst>
       <p:ext uri="{BB962C8B-B14F-4D97-AF65-F5344CB8AC3E}">
-        <p14:creationId xmlns:p14="http://schemas.microsoft.com/office/powerpoint/2010/main" val="2696789503"/>
+        <p14:creationId xmlns:p14="http://schemas.microsoft.com/office/powerpoint/2010/main" xmlns="" val="2696789503"/>
       </p:ext>
     </p:extLst>
   </p:cSld>
@@ -8034,7 +8290,7 @@
           <a:blip r:embed="rId2">
             <a:extLst>
               <a:ext uri="{28A0092B-C50C-407E-A947-70E740481C1C}">
-                <a14:useLocalDpi xmlns:a14="http://schemas.microsoft.com/office/drawing/2010/main" val="0"/>
+                <a14:useLocalDpi xmlns:a14="http://schemas.microsoft.com/office/drawing/2010/main" xmlns="" val="0"/>
               </a:ext>
             </a:extLst>
           </a:blip>
@@ -8054,7 +8310,7 @@
           <a:noFill/>
           <a:extLst>
             <a:ext uri="{909E8E84-426E-40DD-AFC4-6F175D3DCCD1}">
-              <a14:hiddenFill xmlns:a14="http://schemas.microsoft.com/office/drawing/2010/main">
+              <a14:hiddenFill xmlns:a14="http://schemas.microsoft.com/office/drawing/2010/main" xmlns="">
                 <a:solidFill>
                   <a:srgbClr val="FFFFFF"/>
                 </a:solidFill>
@@ -8063,10 +8319,40 @@
           </a:extLst>
         </p:spPr>
       </p:pic>
+      <p:pic>
+        <p:nvPicPr>
+          <p:cNvPr id="5" name="Picture 4"/>
+          <p:cNvPicPr>
+            <a:picLocks noChangeAspect="1"/>
+          </p:cNvPicPr>
+          <p:nvPr/>
+        </p:nvPicPr>
+        <p:blipFill>
+          <a:blip r:embed="rId3" cstate="print">
+            <a:extLst>
+              <a:ext uri="{28A0092B-C50C-407E-A947-70E740481C1C}">
+                <a14:useLocalDpi xmlns:a14="http://schemas.microsoft.com/office/drawing/2010/main" xmlns="" xmlns:lc="http://schemas.openxmlformats.org/drawingml/2006/lockedCanvas" val="0"/>
+              </a:ext>
+            </a:extLst>
+          </a:blip>
+          <a:stretch>
+            <a:fillRect/>
+          </a:stretch>
+        </p:blipFill>
+        <p:spPr>
+          <a:xfrm>
+            <a:off x="0" y="0"/>
+            <a:ext cx="1062463" cy="751114"/>
+          </a:xfrm>
+          <a:prstGeom prst="rect">
+            <a:avLst/>
+          </a:prstGeom>
+        </p:spPr>
+      </p:pic>
     </p:spTree>
     <p:extLst>
       <p:ext uri="{BB962C8B-B14F-4D97-AF65-F5344CB8AC3E}">
-        <p14:creationId xmlns:p14="http://schemas.microsoft.com/office/powerpoint/2010/main" val="222138055"/>
+        <p14:creationId xmlns:p14="http://schemas.microsoft.com/office/powerpoint/2010/main" xmlns="" val="222138055"/>
       </p:ext>
     </p:extLst>
   </p:cSld>
@@ -8126,7 +8412,7 @@
             <p:ph idx="1"/>
             <p:extLst>
               <p:ext uri="{D42A27DB-BD31-4B8C-83A1-F6EECF244321}">
-                <p14:modId xmlns:p14="http://schemas.microsoft.com/office/powerpoint/2010/main" val="2222223116"/>
+                <p14:modId xmlns:p14="http://schemas.microsoft.com/office/powerpoint/2010/main" xmlns="" val="2222223116"/>
               </p:ext>
             </p:extLst>
           </p:nvPr>
@@ -8141,10 +8427,40 @@
           </a:graphicData>
         </a:graphic>
       </p:graphicFrame>
+      <p:pic>
+        <p:nvPicPr>
+          <p:cNvPr id="5" name="Picture 4"/>
+          <p:cNvPicPr>
+            <a:picLocks noChangeAspect="1"/>
+          </p:cNvPicPr>
+          <p:nvPr/>
+        </p:nvPicPr>
+        <p:blipFill>
+          <a:blip r:embed="rId6" cstate="print">
+            <a:extLst>
+              <a:ext uri="{28A0092B-C50C-407E-A947-70E740481C1C}">
+                <a14:useLocalDpi xmlns:a14="http://schemas.microsoft.com/office/drawing/2010/main" xmlns="" xmlns:lc="http://schemas.openxmlformats.org/drawingml/2006/lockedCanvas" val="0"/>
+              </a:ext>
+            </a:extLst>
+          </a:blip>
+          <a:stretch>
+            <a:fillRect/>
+          </a:stretch>
+        </p:blipFill>
+        <p:spPr>
+          <a:xfrm>
+            <a:off x="0" y="0"/>
+            <a:ext cx="1062463" cy="751114"/>
+          </a:xfrm>
+          <a:prstGeom prst="rect">
+            <a:avLst/>
+          </a:prstGeom>
+        </p:spPr>
+      </p:pic>
     </p:spTree>
     <p:extLst>
       <p:ext uri="{BB962C8B-B14F-4D97-AF65-F5344CB8AC3E}">
-        <p14:creationId xmlns:p14="http://schemas.microsoft.com/office/powerpoint/2010/main" val="3659093647"/>
+        <p14:creationId xmlns:p14="http://schemas.microsoft.com/office/powerpoint/2010/main" xmlns="" val="3659093647"/>
       </p:ext>
     </p:extLst>
   </p:cSld>
@@ -8235,10 +8551,40 @@
           </a:p>
         </p:txBody>
       </p:sp>
+      <p:pic>
+        <p:nvPicPr>
+          <p:cNvPr id="4" name="Picture 3"/>
+          <p:cNvPicPr>
+            <a:picLocks noChangeAspect="1"/>
+          </p:cNvPicPr>
+          <p:nvPr/>
+        </p:nvPicPr>
+        <p:blipFill>
+          <a:blip r:embed="rId2" cstate="print">
+            <a:extLst>
+              <a:ext uri="{28A0092B-C50C-407E-A947-70E740481C1C}">
+                <a14:useLocalDpi xmlns:a14="http://schemas.microsoft.com/office/drawing/2010/main" xmlns="" xmlns:lc="http://schemas.openxmlformats.org/drawingml/2006/lockedCanvas" val="0"/>
+              </a:ext>
+            </a:extLst>
+          </a:blip>
+          <a:stretch>
+            <a:fillRect/>
+          </a:stretch>
+        </p:blipFill>
+        <p:spPr>
+          <a:xfrm>
+            <a:off x="0" y="0"/>
+            <a:ext cx="1062463" cy="751114"/>
+          </a:xfrm>
+          <a:prstGeom prst="rect">
+            <a:avLst/>
+          </a:prstGeom>
+        </p:spPr>
+      </p:pic>
     </p:spTree>
     <p:extLst>
       <p:ext uri="{BB962C8B-B14F-4D97-AF65-F5344CB8AC3E}">
-        <p14:creationId xmlns:p14="http://schemas.microsoft.com/office/powerpoint/2010/main" val="1531140062"/>
+        <p14:creationId xmlns:p14="http://schemas.microsoft.com/office/powerpoint/2010/main" xmlns="" val="1531140062"/>
       </p:ext>
     </p:extLst>
   </p:cSld>
@@ -9213,10 +9559,40 @@
           </a:p>
         </p:txBody>
       </p:sp>
+      <p:pic>
+        <p:nvPicPr>
+          <p:cNvPr id="32" name="Picture 31"/>
+          <p:cNvPicPr>
+            <a:picLocks noChangeAspect="1"/>
+          </p:cNvPicPr>
+          <p:nvPr/>
+        </p:nvPicPr>
+        <p:blipFill>
+          <a:blip r:embed="rId2" cstate="print">
+            <a:extLst>
+              <a:ext uri="{28A0092B-C50C-407E-A947-70E740481C1C}">
+                <a14:useLocalDpi xmlns:a14="http://schemas.microsoft.com/office/drawing/2010/main" xmlns="" xmlns:lc="http://schemas.openxmlformats.org/drawingml/2006/lockedCanvas" val="0"/>
+              </a:ext>
+            </a:extLst>
+          </a:blip>
+          <a:stretch>
+            <a:fillRect/>
+          </a:stretch>
+        </p:blipFill>
+        <p:spPr>
+          <a:xfrm>
+            <a:off x="0" y="0"/>
+            <a:ext cx="1062463" cy="751114"/>
+          </a:xfrm>
+          <a:prstGeom prst="rect">
+            <a:avLst/>
+          </a:prstGeom>
+        </p:spPr>
+      </p:pic>
     </p:spTree>
     <p:extLst>
       <p:ext uri="{BB962C8B-B14F-4D97-AF65-F5344CB8AC3E}">
-        <p14:creationId xmlns:p14="http://schemas.microsoft.com/office/powerpoint/2010/main" val="685034447"/>
+        <p14:creationId xmlns:p14="http://schemas.microsoft.com/office/powerpoint/2010/main" xmlns="" val="685034447"/>
       </p:ext>
     </p:extLst>
   </p:cSld>
@@ -10481,7 +10857,7 @@
           <a:blip r:embed="rId2">
             <a:extLst>
               <a:ext uri="{28A0092B-C50C-407E-A947-70E740481C1C}">
-                <a14:useLocalDpi xmlns:a14="http://schemas.microsoft.com/office/drawing/2010/main" val="0"/>
+                <a14:useLocalDpi xmlns:a14="http://schemas.microsoft.com/office/drawing/2010/main" xmlns="" val="0"/>
               </a:ext>
             </a:extLst>
           </a:blip>
@@ -10501,7 +10877,7 @@
           <a:noFill/>
           <a:extLst>
             <a:ext uri="{909E8E84-426E-40DD-AFC4-6F175D3DCCD1}">
-              <a14:hiddenFill xmlns:a14="http://schemas.microsoft.com/office/drawing/2010/main">
+              <a14:hiddenFill xmlns:a14="http://schemas.microsoft.com/office/drawing/2010/main" xmlns="">
                 <a:solidFill>
                   <a:srgbClr val="FFFFFF"/>
                 </a:solidFill>
@@ -10510,10 +10886,40 @@
           </a:extLst>
         </p:spPr>
       </p:pic>
+      <p:pic>
+        <p:nvPicPr>
+          <p:cNvPr id="5" name="Picture 4"/>
+          <p:cNvPicPr>
+            <a:picLocks noChangeAspect="1"/>
+          </p:cNvPicPr>
+          <p:nvPr/>
+        </p:nvPicPr>
+        <p:blipFill>
+          <a:blip r:embed="rId3" cstate="print">
+            <a:extLst>
+              <a:ext uri="{28A0092B-C50C-407E-A947-70E740481C1C}">
+                <a14:useLocalDpi xmlns:a14="http://schemas.microsoft.com/office/drawing/2010/main" xmlns="" xmlns:lc="http://schemas.openxmlformats.org/drawingml/2006/lockedCanvas" val="0"/>
+              </a:ext>
+            </a:extLst>
+          </a:blip>
+          <a:stretch>
+            <a:fillRect/>
+          </a:stretch>
+        </p:blipFill>
+        <p:spPr>
+          <a:xfrm>
+            <a:off x="0" y="0"/>
+            <a:ext cx="1062463" cy="751114"/>
+          </a:xfrm>
+          <a:prstGeom prst="rect">
+            <a:avLst/>
+          </a:prstGeom>
+        </p:spPr>
+      </p:pic>
     </p:spTree>
     <p:extLst>
       <p:ext uri="{BB962C8B-B14F-4D97-AF65-F5344CB8AC3E}">
-        <p14:creationId xmlns:p14="http://schemas.microsoft.com/office/powerpoint/2010/main" val="3992946531"/>
+        <p14:creationId xmlns:p14="http://schemas.microsoft.com/office/powerpoint/2010/main" xmlns="" val="3992946531"/>
       </p:ext>
     </p:extLst>
   </p:cSld>
@@ -10641,10 +11047,40 @@
           </a:p>
         </p:txBody>
       </p:sp>
+      <p:pic>
+        <p:nvPicPr>
+          <p:cNvPr id="4" name="Picture 3"/>
+          <p:cNvPicPr>
+            <a:picLocks noChangeAspect="1"/>
+          </p:cNvPicPr>
+          <p:nvPr/>
+        </p:nvPicPr>
+        <p:blipFill>
+          <a:blip r:embed="rId2" cstate="print">
+            <a:extLst>
+              <a:ext uri="{28A0092B-C50C-407E-A947-70E740481C1C}">
+                <a14:useLocalDpi xmlns:a14="http://schemas.microsoft.com/office/drawing/2010/main" xmlns="" xmlns:lc="http://schemas.openxmlformats.org/drawingml/2006/lockedCanvas" val="0"/>
+              </a:ext>
+            </a:extLst>
+          </a:blip>
+          <a:stretch>
+            <a:fillRect/>
+          </a:stretch>
+        </p:blipFill>
+        <p:spPr>
+          <a:xfrm>
+            <a:off x="0" y="0"/>
+            <a:ext cx="1062463" cy="751114"/>
+          </a:xfrm>
+          <a:prstGeom prst="rect">
+            <a:avLst/>
+          </a:prstGeom>
+        </p:spPr>
+      </p:pic>
     </p:spTree>
     <p:extLst>
       <p:ext uri="{BB962C8B-B14F-4D97-AF65-F5344CB8AC3E}">
-        <p14:creationId xmlns:p14="http://schemas.microsoft.com/office/powerpoint/2010/main" val="4164276968"/>
+        <p14:creationId xmlns:p14="http://schemas.microsoft.com/office/powerpoint/2010/main" xmlns="" val="4164276968"/>
       </p:ext>
     </p:extLst>
   </p:cSld>
@@ -10725,10 +11161,40 @@
           </a:p>
         </p:txBody>
       </p:sp>
+      <p:pic>
+        <p:nvPicPr>
+          <p:cNvPr id="4" name="Picture 3"/>
+          <p:cNvPicPr>
+            <a:picLocks noChangeAspect="1"/>
+          </p:cNvPicPr>
+          <p:nvPr/>
+        </p:nvPicPr>
+        <p:blipFill>
+          <a:blip r:embed="rId2" cstate="print">
+            <a:extLst>
+              <a:ext uri="{28A0092B-C50C-407E-A947-70E740481C1C}">
+                <a14:useLocalDpi xmlns:a14="http://schemas.microsoft.com/office/drawing/2010/main" xmlns="" xmlns:lc="http://schemas.openxmlformats.org/drawingml/2006/lockedCanvas" val="0"/>
+              </a:ext>
+            </a:extLst>
+          </a:blip>
+          <a:stretch>
+            <a:fillRect/>
+          </a:stretch>
+        </p:blipFill>
+        <p:spPr>
+          <a:xfrm>
+            <a:off x="0" y="0"/>
+            <a:ext cx="1062463" cy="751114"/>
+          </a:xfrm>
+          <a:prstGeom prst="rect">
+            <a:avLst/>
+          </a:prstGeom>
+        </p:spPr>
+      </p:pic>
     </p:spTree>
     <p:extLst>
       <p:ext uri="{BB962C8B-B14F-4D97-AF65-F5344CB8AC3E}">
-        <p14:creationId xmlns:p14="http://schemas.microsoft.com/office/powerpoint/2010/main" val="3263777407"/>
+        <p14:creationId xmlns:p14="http://schemas.microsoft.com/office/powerpoint/2010/main" xmlns="" val="3263777407"/>
       </p:ext>
     </p:extLst>
   </p:cSld>
@@ -10845,7 +11311,7 @@
           <a:blip r:embed="rId2">
             <a:extLst>
               <a:ext uri="{28A0092B-C50C-407E-A947-70E740481C1C}">
-                <a14:useLocalDpi xmlns:a14="http://schemas.microsoft.com/office/drawing/2010/main" val="0"/>
+                <a14:useLocalDpi xmlns:a14="http://schemas.microsoft.com/office/drawing/2010/main" xmlns="" val="0"/>
               </a:ext>
             </a:extLst>
           </a:blip>
@@ -10865,7 +11331,7 @@
           <a:noFill/>
           <a:extLst>
             <a:ext uri="{909E8E84-426E-40DD-AFC4-6F175D3DCCD1}">
-              <a14:hiddenFill xmlns:a14="http://schemas.microsoft.com/office/drawing/2010/main">
+              <a14:hiddenFill xmlns:a14="http://schemas.microsoft.com/office/drawing/2010/main" xmlns="">
                 <a:solidFill>
                   <a:srgbClr val="FFFFFF"/>
                 </a:solidFill>
@@ -10874,10 +11340,40 @@
           </a:extLst>
         </p:spPr>
       </p:pic>
+      <p:pic>
+        <p:nvPicPr>
+          <p:cNvPr id="5" name="Picture 4"/>
+          <p:cNvPicPr>
+            <a:picLocks noChangeAspect="1"/>
+          </p:cNvPicPr>
+          <p:nvPr/>
+        </p:nvPicPr>
+        <p:blipFill>
+          <a:blip r:embed="rId3" cstate="print">
+            <a:extLst>
+              <a:ext uri="{28A0092B-C50C-407E-A947-70E740481C1C}">
+                <a14:useLocalDpi xmlns:a14="http://schemas.microsoft.com/office/drawing/2010/main" xmlns="" xmlns:lc="http://schemas.openxmlformats.org/drawingml/2006/lockedCanvas" val="0"/>
+              </a:ext>
+            </a:extLst>
+          </a:blip>
+          <a:stretch>
+            <a:fillRect/>
+          </a:stretch>
+        </p:blipFill>
+        <p:spPr>
+          <a:xfrm>
+            <a:off x="0" y="0"/>
+            <a:ext cx="1062463" cy="751114"/>
+          </a:xfrm>
+          <a:prstGeom prst="rect">
+            <a:avLst/>
+          </a:prstGeom>
+        </p:spPr>
+      </p:pic>
     </p:spTree>
     <p:extLst>
       <p:ext uri="{BB962C8B-B14F-4D97-AF65-F5344CB8AC3E}">
-        <p14:creationId xmlns:p14="http://schemas.microsoft.com/office/powerpoint/2010/main" val="532412145"/>
+        <p14:creationId xmlns:p14="http://schemas.microsoft.com/office/powerpoint/2010/main" xmlns="" val="532412145"/>
       </p:ext>
     </p:extLst>
   </p:cSld>
@@ -11011,7 +11507,7 @@
           <a:blip r:embed="rId2">
             <a:extLst>
               <a:ext uri="{28A0092B-C50C-407E-A947-70E740481C1C}">
-                <a14:useLocalDpi xmlns:a14="http://schemas.microsoft.com/office/drawing/2010/main" val="0"/>
+                <a14:useLocalDpi xmlns:a14="http://schemas.microsoft.com/office/drawing/2010/main" xmlns="" val="0"/>
               </a:ext>
             </a:extLst>
           </a:blip>
@@ -11031,7 +11527,7 @@
           <a:noFill/>
           <a:extLst>
             <a:ext uri="{909E8E84-426E-40DD-AFC4-6F175D3DCCD1}">
-              <a14:hiddenFill xmlns:a14="http://schemas.microsoft.com/office/drawing/2010/main">
+              <a14:hiddenFill xmlns:a14="http://schemas.microsoft.com/office/drawing/2010/main" xmlns="">
                 <a:solidFill>
                   <a:srgbClr val="FFFFFF"/>
                 </a:solidFill>
@@ -11040,10 +11536,40 @@
           </a:extLst>
         </p:spPr>
       </p:pic>
+      <p:pic>
+        <p:nvPicPr>
+          <p:cNvPr id="5" name="Picture 4"/>
+          <p:cNvPicPr>
+            <a:picLocks noChangeAspect="1"/>
+          </p:cNvPicPr>
+          <p:nvPr/>
+        </p:nvPicPr>
+        <p:blipFill>
+          <a:blip r:embed="rId3" cstate="print">
+            <a:extLst>
+              <a:ext uri="{28A0092B-C50C-407E-A947-70E740481C1C}">
+                <a14:useLocalDpi xmlns:a14="http://schemas.microsoft.com/office/drawing/2010/main" xmlns="" xmlns:lc="http://schemas.openxmlformats.org/drawingml/2006/lockedCanvas" val="0"/>
+              </a:ext>
+            </a:extLst>
+          </a:blip>
+          <a:stretch>
+            <a:fillRect/>
+          </a:stretch>
+        </p:blipFill>
+        <p:spPr>
+          <a:xfrm>
+            <a:off x="0" y="0"/>
+            <a:ext cx="1062463" cy="751114"/>
+          </a:xfrm>
+          <a:prstGeom prst="rect">
+            <a:avLst/>
+          </a:prstGeom>
+        </p:spPr>
+      </p:pic>
     </p:spTree>
     <p:extLst>
       <p:ext uri="{BB962C8B-B14F-4D97-AF65-F5344CB8AC3E}">
-        <p14:creationId xmlns:p14="http://schemas.microsoft.com/office/powerpoint/2010/main" val="3151979266"/>
+        <p14:creationId xmlns:p14="http://schemas.microsoft.com/office/powerpoint/2010/main" xmlns="" val="3151979266"/>
       </p:ext>
     </p:extLst>
   </p:cSld>
@@ -11128,7 +11654,7 @@
           <a:blip r:embed="rId2">
             <a:extLst>
               <a:ext uri="{28A0092B-C50C-407E-A947-70E740481C1C}">
-                <a14:useLocalDpi xmlns:a14="http://schemas.microsoft.com/office/drawing/2010/main" val="0"/>
+                <a14:useLocalDpi xmlns:a14="http://schemas.microsoft.com/office/drawing/2010/main" xmlns="" val="0"/>
               </a:ext>
             </a:extLst>
           </a:blip>
@@ -11148,7 +11674,7 @@
           <a:noFill/>
           <a:extLst>
             <a:ext uri="{909E8E84-426E-40DD-AFC4-6F175D3DCCD1}">
-              <a14:hiddenFill xmlns:a14="http://schemas.microsoft.com/office/drawing/2010/main">
+              <a14:hiddenFill xmlns:a14="http://schemas.microsoft.com/office/drawing/2010/main" xmlns="">
                 <a:solidFill>
                   <a:srgbClr val="FFFFFF"/>
                 </a:solidFill>
@@ -11157,10 +11683,40 @@
           </a:extLst>
         </p:spPr>
       </p:pic>
+      <p:pic>
+        <p:nvPicPr>
+          <p:cNvPr id="5" name="Picture 4"/>
+          <p:cNvPicPr>
+            <a:picLocks noChangeAspect="1"/>
+          </p:cNvPicPr>
+          <p:nvPr/>
+        </p:nvPicPr>
+        <p:blipFill>
+          <a:blip r:embed="rId3" cstate="print">
+            <a:extLst>
+              <a:ext uri="{28A0092B-C50C-407E-A947-70E740481C1C}">
+                <a14:useLocalDpi xmlns:a14="http://schemas.microsoft.com/office/drawing/2010/main" xmlns="" xmlns:lc="http://schemas.openxmlformats.org/drawingml/2006/lockedCanvas" val="0"/>
+              </a:ext>
+            </a:extLst>
+          </a:blip>
+          <a:stretch>
+            <a:fillRect/>
+          </a:stretch>
+        </p:blipFill>
+        <p:spPr>
+          <a:xfrm>
+            <a:off x="0" y="0"/>
+            <a:ext cx="1062463" cy="751114"/>
+          </a:xfrm>
+          <a:prstGeom prst="rect">
+            <a:avLst/>
+          </a:prstGeom>
+        </p:spPr>
+      </p:pic>
     </p:spTree>
     <p:extLst>
       <p:ext uri="{BB962C8B-B14F-4D97-AF65-F5344CB8AC3E}">
-        <p14:creationId xmlns:p14="http://schemas.microsoft.com/office/powerpoint/2010/main" val="727608702"/>
+        <p14:creationId xmlns:p14="http://schemas.microsoft.com/office/powerpoint/2010/main" xmlns="" val="727608702"/>
       </p:ext>
     </p:extLst>
   </p:cSld>
@@ -11638,7 +12194,6 @@
               <a:rPr lang="en-US" dirty="0"/>
               <a:t>MASTER</a:t>
             </a:r>
-            <a:endParaRPr lang="en-US" dirty="0"/>
           </a:p>
         </p:txBody>
       </p:sp>
@@ -11668,7 +12223,6 @@
               <a:rPr lang="en-US" dirty="0"/>
               <a:t>SLAVE</a:t>
             </a:r>
-            <a:endParaRPr lang="en-US" dirty="0"/>
           </a:p>
         </p:txBody>
       </p:sp>
@@ -11698,7 +12252,6 @@
               <a:rPr lang="en-US" dirty="0"/>
               <a:t>MOSI</a:t>
             </a:r>
-            <a:endParaRPr lang="en-US" dirty="0"/>
           </a:p>
         </p:txBody>
       </p:sp>
@@ -11728,7 +12281,6 @@
               <a:rPr lang="en-US" dirty="0"/>
               <a:t>MISO</a:t>
             </a:r>
-            <a:endParaRPr lang="en-US" dirty="0"/>
           </a:p>
         </p:txBody>
       </p:sp>
@@ -11804,10 +12356,40 @@
           </a:fontRef>
         </p:style>
       </p:cxnSp>
+      <p:pic>
+        <p:nvPicPr>
+          <p:cNvPr id="14" name="Picture 13"/>
+          <p:cNvPicPr>
+            <a:picLocks noChangeAspect="1"/>
+          </p:cNvPicPr>
+          <p:nvPr/>
+        </p:nvPicPr>
+        <p:blipFill>
+          <a:blip r:embed="rId2" cstate="print">
+            <a:extLst>
+              <a:ext uri="{28A0092B-C50C-407E-A947-70E740481C1C}">
+                <a14:useLocalDpi xmlns:a14="http://schemas.microsoft.com/office/drawing/2010/main" xmlns="" xmlns:lc="http://schemas.openxmlformats.org/drawingml/2006/lockedCanvas" val="0"/>
+              </a:ext>
+            </a:extLst>
+          </a:blip>
+          <a:stretch>
+            <a:fillRect/>
+          </a:stretch>
+        </p:blipFill>
+        <p:spPr>
+          <a:xfrm>
+            <a:off x="0" y="0"/>
+            <a:ext cx="1062463" cy="751114"/>
+          </a:xfrm>
+          <a:prstGeom prst="rect">
+            <a:avLst/>
+          </a:prstGeom>
+        </p:spPr>
+      </p:pic>
     </p:spTree>
     <p:extLst>
       <p:ext uri="{BB962C8B-B14F-4D97-AF65-F5344CB8AC3E}">
-        <p14:creationId xmlns:p14="http://schemas.microsoft.com/office/powerpoint/2010/main" val="3819525184"/>
+        <p14:creationId xmlns:p14="http://schemas.microsoft.com/office/powerpoint/2010/main" xmlns="" val="3819525184"/>
       </p:ext>
     </p:extLst>
   </p:cSld>
@@ -11867,7 +12449,7 @@
     </a:clrScheme>
     <a:fontScheme name="Office">
       <a:majorFont>
-        <a:latin typeface="Calibri Light" panose="020F0302020204030204"/>
+        <a:latin typeface="Calibri Light"/>
         <a:ea typeface=""/>
         <a:cs typeface=""/>
         <a:font script="Jpan" typeface="ＭＳ Ｐゴシック"/>
@@ -11902,7 +12484,7 @@
         <a:font script="Geor" typeface="Sylfaen"/>
       </a:majorFont>
       <a:minorFont>
-        <a:latin typeface="Calibri" panose="020F0502020204030204"/>
+        <a:latin typeface="Calibri"/>
         <a:ea typeface=""/>
         <a:cs typeface=""/>
         <a:font script="Jpan" typeface="ＭＳ Ｐゴシック"/>
@@ -12079,7 +12661,7 @@
   <a:extraClrSchemeLst/>
   <a:extLst>
     <a:ext uri="{05A4C25C-085E-4340-85A3-A5531E510DB2}">
-      <thm15:themeFamily xmlns:thm15="http://schemas.microsoft.com/office/thememl/2012/main" name="Office Theme" id="{62F939B6-93AF-4DB8-9C6B-D6C7DFDC589F}" vid="{4A3C46E8-61CC-4603-A589-7422A47A8E4A}"/>
+      <thm15:themeFamily xmlns:thm15="http://schemas.microsoft.com/office/thememl/2012/main" xmlns="" name="Office Theme" id="{62F939B6-93AF-4DB8-9C6B-D6C7DFDC589F}" vid="{4A3C46E8-61CC-4603-A589-7422A47A8E4A}"/>
     </a:ext>
   </a:extLst>
 </a:theme>
